--- a/docs/diagrams/ModelComponentClassDiagram.pptx
+++ b/docs/diagrams/ModelComponentClassDiagram.pptx
@@ -208,7 +208,7 @@
           <a:p>
             <a:fld id="{F5CC4B3F-88C1-4FFA-B1B6-F41C21DC6924}" type="datetimeFigureOut">
               <a:rPr lang="en-US" smtClean="0"/>
-              <a:t>3/22/2017</a:t>
+              <a:t>3/29/2017</a:t>
             </a:fld>
             <a:endParaRPr lang="en-US"/>
           </a:p>
@@ -657,7 +657,7 @@
           <a:p>
             <a:fld id="{78C97017-6FC3-485B-9764-EAC9E56C1D49}" type="datetimeFigureOut">
               <a:rPr lang="en-US" smtClean="0"/>
-              <a:t>3/22/2017</a:t>
+              <a:t>3/29/2017</a:t>
             </a:fld>
             <a:endParaRPr lang="en-US"/>
           </a:p>
@@ -827,7 +827,7 @@
           <a:p>
             <a:fld id="{78C97017-6FC3-485B-9764-EAC9E56C1D49}" type="datetimeFigureOut">
               <a:rPr lang="en-US" smtClean="0"/>
-              <a:t>3/22/2017</a:t>
+              <a:t>3/29/2017</a:t>
             </a:fld>
             <a:endParaRPr lang="en-US"/>
           </a:p>
@@ -1007,7 +1007,7 @@
           <a:p>
             <a:fld id="{78C97017-6FC3-485B-9764-EAC9E56C1D49}" type="datetimeFigureOut">
               <a:rPr lang="en-US" smtClean="0"/>
-              <a:t>3/22/2017</a:t>
+              <a:t>3/29/2017</a:t>
             </a:fld>
             <a:endParaRPr lang="en-US"/>
           </a:p>
@@ -1177,7 +1177,7 @@
           <a:p>
             <a:fld id="{78C97017-6FC3-485B-9764-EAC9E56C1D49}" type="datetimeFigureOut">
               <a:rPr lang="en-US" smtClean="0"/>
-              <a:t>3/22/2017</a:t>
+              <a:t>3/29/2017</a:t>
             </a:fld>
             <a:endParaRPr lang="en-US"/>
           </a:p>
@@ -1423,7 +1423,7 @@
           <a:p>
             <a:fld id="{78C97017-6FC3-485B-9764-EAC9E56C1D49}" type="datetimeFigureOut">
               <a:rPr lang="en-US" smtClean="0"/>
-              <a:t>3/22/2017</a:t>
+              <a:t>3/29/2017</a:t>
             </a:fld>
             <a:endParaRPr lang="en-US"/>
           </a:p>
@@ -1711,7 +1711,7 @@
           <a:p>
             <a:fld id="{78C97017-6FC3-485B-9764-EAC9E56C1D49}" type="datetimeFigureOut">
               <a:rPr lang="en-US" smtClean="0"/>
-              <a:t>3/22/2017</a:t>
+              <a:t>3/29/2017</a:t>
             </a:fld>
             <a:endParaRPr lang="en-US"/>
           </a:p>
@@ -2133,7 +2133,7 @@
           <a:p>
             <a:fld id="{78C97017-6FC3-485B-9764-EAC9E56C1D49}" type="datetimeFigureOut">
               <a:rPr lang="en-US" smtClean="0"/>
-              <a:t>3/22/2017</a:t>
+              <a:t>3/29/2017</a:t>
             </a:fld>
             <a:endParaRPr lang="en-US"/>
           </a:p>
@@ -2251,7 +2251,7 @@
           <a:p>
             <a:fld id="{78C97017-6FC3-485B-9764-EAC9E56C1D49}" type="datetimeFigureOut">
               <a:rPr lang="en-US" smtClean="0"/>
-              <a:t>3/22/2017</a:t>
+              <a:t>3/29/2017</a:t>
             </a:fld>
             <a:endParaRPr lang="en-US"/>
           </a:p>
@@ -2346,7 +2346,7 @@
           <a:p>
             <a:fld id="{78C97017-6FC3-485B-9764-EAC9E56C1D49}" type="datetimeFigureOut">
               <a:rPr lang="en-US" smtClean="0"/>
-              <a:t>3/22/2017</a:t>
+              <a:t>3/29/2017</a:t>
             </a:fld>
             <a:endParaRPr lang="en-US"/>
           </a:p>
@@ -2623,7 +2623,7 @@
           <a:p>
             <a:fld id="{78C97017-6FC3-485B-9764-EAC9E56C1D49}" type="datetimeFigureOut">
               <a:rPr lang="en-US" smtClean="0"/>
-              <a:t>3/22/2017</a:t>
+              <a:t>3/29/2017</a:t>
             </a:fld>
             <a:endParaRPr lang="en-US"/>
           </a:p>
@@ -2876,7 +2876,7 @@
           <a:p>
             <a:fld id="{78C97017-6FC3-485B-9764-EAC9E56C1D49}" type="datetimeFigureOut">
               <a:rPr lang="en-US" smtClean="0"/>
-              <a:t>3/22/2017</a:t>
+              <a:t>3/29/2017</a:t>
             </a:fld>
             <a:endParaRPr lang="en-US"/>
           </a:p>
@@ -3089,7 +3089,7 @@
           <a:p>
             <a:fld id="{78C97017-6FC3-485B-9764-EAC9E56C1D49}" type="datetimeFigureOut">
               <a:rPr lang="en-US" smtClean="0"/>
-              <a:t>3/22/2017</a:t>
+              <a:t>3/29/2017</a:t>
             </a:fld>
             <a:endParaRPr lang="en-US"/>
           </a:p>
@@ -4814,7 +4814,7 @@
         </p:nvSpPr>
         <p:spPr>
           <a:xfrm>
-            <a:off x="7712397" y="2595799"/>
+            <a:off x="7712397" y="2286000"/>
             <a:ext cx="828000" cy="255600"/>
           </a:xfrm>
           <a:prstGeom prst="rect">
@@ -4913,17 +4913,16 @@
         <p:nvCxnSpPr>
           <p:cNvPr id="79" name="Elbow Connector 78"/>
           <p:cNvCxnSpPr>
-            <a:stCxn id="78" idx="3"/>
             <a:endCxn id="76" idx="1"/>
           </p:cNvCxnSpPr>
           <p:nvPr/>
         </p:nvCxnSpPr>
         <p:spPr>
-          <a:xfrm flipV="1">
-            <a:off x="7277995" y="2723599"/>
-            <a:ext cx="434402" cy="311292"/>
-          </a:xfrm>
-          <a:prstGeom prst="bentConnector3">
+          <a:xfrm rot="5400000" flipH="1" flipV="1">
+            <a:off x="7299687" y="2608041"/>
+            <a:ext cx="606951" cy="218470"/>
+          </a:xfrm>
+          <a:prstGeom prst="bentConnector2">
             <a:avLst/>
           </a:prstGeom>
           <a:ln w="19050">
@@ -4958,7 +4957,7 @@
         </p:nvSpPr>
         <p:spPr>
           <a:xfrm>
-            <a:off x="7712397" y="2918777"/>
+            <a:off x="7712397" y="2608978"/>
             <a:ext cx="828000" cy="255600"/>
           </a:xfrm>
           <a:prstGeom prst="rect">
@@ -5016,9 +5015,9 @@
           <p:nvPr/>
         </p:nvCxnSpPr>
         <p:spPr>
-          <a:xfrm>
-            <a:off x="7277995" y="3034891"/>
-            <a:ext cx="434402" cy="11686"/>
+          <a:xfrm flipV="1">
+            <a:off x="7277995" y="2736778"/>
+            <a:ext cx="434402" cy="298113"/>
           </a:xfrm>
           <a:prstGeom prst="bentConnector3">
             <a:avLst/>
@@ -5055,7 +5054,7 @@
         </p:nvSpPr>
         <p:spPr>
           <a:xfrm>
-            <a:off x="7712397" y="3230015"/>
+            <a:off x="7712397" y="2920216"/>
             <a:ext cx="828000" cy="255600"/>
           </a:xfrm>
           <a:prstGeom prst="rect">
@@ -5107,14 +5106,15 @@
         <p:nvCxnSpPr>
           <p:cNvPr id="84" name="Elbow Connector 83"/>
           <p:cNvCxnSpPr>
+            <a:stCxn id="78" idx="3"/>
             <a:endCxn id="83" idx="1"/>
           </p:cNvCxnSpPr>
           <p:nvPr/>
         </p:nvCxnSpPr>
         <p:spPr>
           <a:xfrm>
-            <a:off x="7277995" y="3045364"/>
-            <a:ext cx="434402" cy="312451"/>
+            <a:off x="7277995" y="3034891"/>
+            <a:ext cx="434402" cy="13125"/>
           </a:xfrm>
           <a:prstGeom prst="bentConnector3">
             <a:avLst/>
@@ -5151,7 +5151,7 @@
         </p:nvSpPr>
         <p:spPr>
           <a:xfrm>
-            <a:off x="7712397" y="3554400"/>
+            <a:off x="7712397" y="3244601"/>
             <a:ext cx="828000" cy="255600"/>
           </a:xfrm>
           <a:prstGeom prst="rect">
@@ -5882,7 +5882,7 @@
         </p:nvSpPr>
         <p:spPr>
           <a:xfrm>
-            <a:off x="7712397" y="3855773"/>
+            <a:off x="7712397" y="3564733"/>
             <a:ext cx="828000" cy="255600"/>
           </a:xfrm>
           <a:prstGeom prst="rect">
@@ -5938,7 +5938,7 @@
         </p:nvSpPr>
         <p:spPr>
           <a:xfrm>
-            <a:off x="7712397" y="4200963"/>
+            <a:off x="7712397" y="3891164"/>
             <a:ext cx="828000" cy="255600"/>
           </a:xfrm>
           <a:prstGeom prst="rect">
@@ -5996,7 +5996,7 @@
         </p:nvCxnSpPr>
         <p:spPr>
           <a:xfrm rot="16200000" flipH="1">
-            <a:off x="7304702" y="3274505"/>
+            <a:off x="7304702" y="2964706"/>
             <a:ext cx="603296" cy="212094"/>
           </a:xfrm>
           <a:prstGeom prst="bentConnector2">
@@ -6036,7 +6036,7 @@
         </p:nvCxnSpPr>
         <p:spPr>
           <a:xfrm rot="16200000" flipH="1">
-            <a:off x="7302581" y="3573756"/>
+            <a:off x="7302581" y="3282716"/>
             <a:ext cx="602431" cy="217202"/>
           </a:xfrm>
           <a:prstGeom prst="bentConnector2">
@@ -6076,8 +6076,99 @@
         </p:nvCxnSpPr>
         <p:spPr>
           <a:xfrm rot="16200000" flipH="1">
-            <a:off x="7285740" y="3902106"/>
+            <a:off x="7285740" y="3592307"/>
             <a:ext cx="634844" cy="218470"/>
+          </a:xfrm>
+          <a:prstGeom prst="bentConnector2">
+            <a:avLst/>
+          </a:prstGeom>
+          <a:ln w="19050">
+            <a:solidFill>
+              <a:srgbClr val="7030A0"/>
+            </a:solidFill>
+            <a:headEnd type="none" w="med" len="med"/>
+            <a:tailEnd type="arrow" w="med" len="med"/>
+          </a:ln>
+          <a:effectLst/>
+        </p:spPr>
+        <p:style>
+          <a:lnRef idx="1">
+            <a:schemeClr val="accent2"/>
+          </a:lnRef>
+          <a:fillRef idx="2">
+            <a:schemeClr val="accent2"/>
+          </a:fillRef>
+          <a:effectRef idx="1">
+            <a:schemeClr val="accent2"/>
+          </a:effectRef>
+          <a:fontRef idx="minor">
+            <a:schemeClr val="dk1"/>
+          </a:fontRef>
+        </p:style>
+      </p:cxnSp>
+      <p:sp>
+        <p:nvSpPr>
+          <p:cNvPr id="86" name="Rectangle 8"/>
+          <p:cNvSpPr/>
+          <p:nvPr/>
+        </p:nvSpPr>
+        <p:spPr>
+          <a:xfrm>
+            <a:off x="7712397" y="4227267"/>
+            <a:ext cx="828000" cy="255600"/>
+          </a:xfrm>
+          <a:prstGeom prst="rect">
+            <a:avLst/>
+          </a:prstGeom>
+          <a:ln w="19050">
+            <a:solidFill>
+              <a:srgbClr val="7030A0"/>
+            </a:solidFill>
+          </a:ln>
+          <a:effectLst/>
+        </p:spPr>
+        <p:style>
+          <a:lnRef idx="1">
+            <a:schemeClr val="accent4"/>
+          </a:lnRef>
+          <a:fillRef idx="2">
+            <a:schemeClr val="accent4"/>
+          </a:fillRef>
+          <a:effectRef idx="1">
+            <a:schemeClr val="accent4"/>
+          </a:effectRef>
+          <a:fontRef idx="minor">
+            <a:schemeClr val="dk1"/>
+          </a:fontRef>
+        </p:style>
+        <p:txBody>
+          <a:bodyPr rtlCol="0" anchor="ctr"/>
+          <a:lstStyle/>
+          <a:p>
+            <a:pPr algn="ctr"/>
+            <a:r>
+              <a:rPr lang="en-US" sz="1050" dirty="0" smtClean="0">
+                <a:solidFill>
+                  <a:srgbClr val="7030A0"/>
+                </a:solidFill>
+              </a:rPr>
+              <a:t>Complete</a:t>
+            </a:r>
+          </a:p>
+        </p:txBody>
+      </p:sp>
+      <p:cxnSp>
+        <p:nvCxnSpPr>
+          <p:cNvPr id="88" name="Elbow Connector 87"/>
+          <p:cNvCxnSpPr>
+            <a:endCxn id="86" idx="1"/>
+          </p:cNvCxnSpPr>
+          <p:nvPr/>
+        </p:nvCxnSpPr>
+        <p:spPr>
+          <a:xfrm rot="16200000" flipH="1">
+            <a:off x="7297236" y="3939905"/>
+            <a:ext cx="618229" cy="212094"/>
           </a:xfrm>
           <a:prstGeom prst="bentConnector2">
             <a:avLst/>
